--- a/ws1 (1).pptx
+++ b/ws1 (1).pptx
@@ -6428,11 +6428,7 @@
             </a:r>
             <a:r>
               <a:rPr lang="en-US" dirty="0" smtClean="0"/>
-              <a:t>ifference </a:t>
-            </a:r>
-            <a:r>
-              <a:rPr lang="en-US" dirty="0" smtClean="0"/>
-              <a:t>between fetch and pull ?                 </a:t>
+              <a:t>ifference between fetch and pull ?                 </a:t>
             </a:r>
             <a:br>
               <a:rPr lang="en-US" dirty="0" smtClean="0"/>
